--- a/presentation-handball-betting.pptx
+++ b/presentation-handball-betting.pptx
@@ -256,7 +256,7 @@
           <a:p>
             <a:fld id="{60EFF2F8-2722-4D5A-8576-34119254C326}" type="datetimeFigureOut">
               <a:rPr lang="sr-Latn-RS" smtClean="0"/>
-              <a:t>25.12.2015.</a:t>
+              <a:t>10.2.2016.</a:t>
             </a:fld>
             <a:endParaRPr lang="sr-Latn-RS"/>
           </a:p>
@@ -426,7 +426,7 @@
           <a:p>
             <a:fld id="{60EFF2F8-2722-4D5A-8576-34119254C326}" type="datetimeFigureOut">
               <a:rPr lang="sr-Latn-RS" smtClean="0"/>
-              <a:t>25.12.2015.</a:t>
+              <a:t>10.2.2016.</a:t>
             </a:fld>
             <a:endParaRPr lang="sr-Latn-RS"/>
           </a:p>
@@ -606,7 +606,7 @@
           <a:p>
             <a:fld id="{60EFF2F8-2722-4D5A-8576-34119254C326}" type="datetimeFigureOut">
               <a:rPr lang="sr-Latn-RS" smtClean="0"/>
-              <a:t>25.12.2015.</a:t>
+              <a:t>10.2.2016.</a:t>
             </a:fld>
             <a:endParaRPr lang="sr-Latn-RS"/>
           </a:p>
@@ -776,7 +776,7 @@
           <a:p>
             <a:fld id="{60EFF2F8-2722-4D5A-8576-34119254C326}" type="datetimeFigureOut">
               <a:rPr lang="sr-Latn-RS" smtClean="0"/>
-              <a:t>25.12.2015.</a:t>
+              <a:t>10.2.2016.</a:t>
             </a:fld>
             <a:endParaRPr lang="sr-Latn-RS"/>
           </a:p>
@@ -1022,7 +1022,7 @@
           <a:p>
             <a:fld id="{60EFF2F8-2722-4D5A-8576-34119254C326}" type="datetimeFigureOut">
               <a:rPr lang="sr-Latn-RS" smtClean="0"/>
-              <a:t>25.12.2015.</a:t>
+              <a:t>10.2.2016.</a:t>
             </a:fld>
             <a:endParaRPr lang="sr-Latn-RS"/>
           </a:p>
@@ -1254,7 +1254,7 @@
           <a:p>
             <a:fld id="{60EFF2F8-2722-4D5A-8576-34119254C326}" type="datetimeFigureOut">
               <a:rPr lang="sr-Latn-RS" smtClean="0"/>
-              <a:t>25.12.2015.</a:t>
+              <a:t>10.2.2016.</a:t>
             </a:fld>
             <a:endParaRPr lang="sr-Latn-RS"/>
           </a:p>
@@ -1621,7 +1621,7 @@
           <a:p>
             <a:fld id="{60EFF2F8-2722-4D5A-8576-34119254C326}" type="datetimeFigureOut">
               <a:rPr lang="sr-Latn-RS" smtClean="0"/>
-              <a:t>25.12.2015.</a:t>
+              <a:t>10.2.2016.</a:t>
             </a:fld>
             <a:endParaRPr lang="sr-Latn-RS"/>
           </a:p>
@@ -1739,7 +1739,7 @@
           <a:p>
             <a:fld id="{60EFF2F8-2722-4D5A-8576-34119254C326}" type="datetimeFigureOut">
               <a:rPr lang="sr-Latn-RS" smtClean="0"/>
-              <a:t>25.12.2015.</a:t>
+              <a:t>10.2.2016.</a:t>
             </a:fld>
             <a:endParaRPr lang="sr-Latn-RS"/>
           </a:p>
@@ -1834,7 +1834,7 @@
           <a:p>
             <a:fld id="{60EFF2F8-2722-4D5A-8576-34119254C326}" type="datetimeFigureOut">
               <a:rPr lang="sr-Latn-RS" smtClean="0"/>
-              <a:t>25.12.2015.</a:t>
+              <a:t>10.2.2016.</a:t>
             </a:fld>
             <a:endParaRPr lang="sr-Latn-RS"/>
           </a:p>
@@ -2111,7 +2111,7 @@
           <a:p>
             <a:fld id="{60EFF2F8-2722-4D5A-8576-34119254C326}" type="datetimeFigureOut">
               <a:rPr lang="sr-Latn-RS" smtClean="0"/>
-              <a:t>25.12.2015.</a:t>
+              <a:t>10.2.2016.</a:t>
             </a:fld>
             <a:endParaRPr lang="sr-Latn-RS"/>
           </a:p>
@@ -2364,7 +2364,7 @@
           <a:p>
             <a:fld id="{60EFF2F8-2722-4D5A-8576-34119254C326}" type="datetimeFigureOut">
               <a:rPr lang="sr-Latn-RS" smtClean="0"/>
-              <a:t>25.12.2015.</a:t>
+              <a:t>10.2.2016.</a:t>
             </a:fld>
             <a:endParaRPr lang="sr-Latn-RS"/>
           </a:p>
@@ -2577,7 +2577,7 @@
           <a:p>
             <a:fld id="{60EFF2F8-2722-4D5A-8576-34119254C326}" type="datetimeFigureOut">
               <a:rPr lang="sr-Latn-RS" smtClean="0"/>
-              <a:t>25.12.2015.</a:t>
+              <a:t>10.2.2016.</a:t>
             </a:fld>
             <a:endParaRPr lang="sr-Latn-RS"/>
           </a:p>
@@ -3565,25 +3565,32 @@
         <p:spPr/>
         <p:txBody>
           <a:bodyPr>
-            <a:normAutofit lnSpcReduction="10000"/>
+            <a:normAutofit/>
           </a:bodyPr>
           <a:lstStyle/>
           <a:p>
             <a:r>
               <a:rPr lang="sr-Latn-RS" dirty="0" smtClean="0"/>
-              <a:t>Na osnovu prethodno opisanih koraka za svaku utakmicu određujemo meč rejting i za sve utakmice u tom obučavajućem skupu gledamo koliko puta se desila pobeda domaćina,gosta ili nerešeno</a:t>
-            </a:r>
+              <a:t>Na osnovu prethodno opisanih koraka za svaku utakmicu određujemo meč rejting i za sve utakmice u tom obučavajućem </a:t>
+            </a:r>
+            <a:r>
+              <a:rPr lang="sr-Latn-RS" smtClean="0"/>
+              <a:t>skupu </a:t>
+            </a:r>
+            <a:r>
+              <a:rPr lang="sr-Latn-RS" smtClean="0"/>
+              <a:t>postavljamo parametre koji detaljnije opisuju utakmicu.</a:t>
+            </a:r>
+            <a:endParaRPr lang="sr-Latn-RS" dirty="0" smtClean="0"/>
           </a:p>
           <a:p>
             <a:r>
               <a:rPr lang="sr-Latn-RS" dirty="0" smtClean="0"/>
-              <a:t>Na osnovu toga računamo procente pobede domaćina,gosta ili nerešenog rezultata za taj meč rejting</a:t>
-            </a:r>
-          </a:p>
-          <a:p>
+              <a:t>Koristili </a:t>
+            </a:r>
             <a:r>
               <a:rPr lang="sr-Latn-RS" dirty="0" smtClean="0"/>
-              <a:t>Koristili bismo </a:t>
+              <a:t>bismo </a:t>
             </a:r>
             <a:r>
               <a:rPr lang="en-US" dirty="0" err="1" smtClean="0"/>
@@ -3599,26 +3606,27 @@
             </a:r>
             <a:r>
               <a:rPr lang="sr-Latn-RS" dirty="0" smtClean="0"/>
-              <a:t>žu koja bi određivala </a:t>
-            </a:r>
-            <a:r>
-              <a:rPr lang="sr-Latn-RS" smtClean="0"/>
-              <a:t>ishod utakmice(pobeda domaćina,gosta ili nerešeno) </a:t>
-            </a:r>
+              <a:t>žu koja bi određivala ishod utakmice(pobeda domaćina,gosta ili nerešeno) za prosleđeni meč rejting</a:t>
+            </a:r>
+          </a:p>
+          <a:p>
             <a:r>
               <a:rPr lang="sr-Latn-RS" dirty="0" smtClean="0"/>
-              <a:t>za </a:t>
+              <a:t>Obuka neuronske mreže bi se vršila prosleđivanjem niza </a:t>
             </a:r>
             <a:r>
               <a:rPr lang="sr-Latn-RS" dirty="0" smtClean="0"/>
-              <a:t>prosleđeni meč rejting</a:t>
-            </a:r>
-          </a:p>
-          <a:p>
+              <a:t>utakmica(sa raznim podacima o njima) </a:t>
+            </a:r>
             <a:r>
               <a:rPr lang="sr-Latn-RS" dirty="0" smtClean="0"/>
-              <a:t>Obuka neuronske mreže bi se vršila prosleđivanjem niza mogućih meč rejtinga kao ulaza, dok bi izlaz za obučavanje neuronske mreže bio niz verovatnoća odgovarajućeg ishoda</a:t>
-            </a:r>
+              <a:t>kao ulaza, dok bi izlaz za obučavanje neuronske mreže bio </a:t>
+            </a:r>
+            <a:r>
+              <a:rPr lang="sr-Latn-RS" dirty="0" smtClean="0"/>
+              <a:t>niz konačnih ishoda svake utakmice</a:t>
+            </a:r>
+            <a:endParaRPr lang="sr-Latn-RS" dirty="0" smtClean="0"/>
           </a:p>
         </p:txBody>
       </p:sp>
@@ -4918,8 +4926,13 @@
           <a:p>
             <a:r>
               <a:rPr lang="sr-Latn-RS" dirty="0" smtClean="0"/>
-              <a:t>Cilj: određivanje „fer“ kvota za određeno kolo</a:t>
-            </a:r>
+              <a:t>Cilj: </a:t>
+            </a:r>
+            <a:r>
+              <a:rPr lang="sr-Latn-RS" dirty="0" smtClean="0"/>
+              <a:t>predikcija konačnog ishoda utakmica</a:t>
+            </a:r>
+            <a:endParaRPr lang="sr-Latn-RS" dirty="0" smtClean="0"/>
           </a:p>
           <a:p>
             <a:endParaRPr lang="sr-Latn-RS" dirty="0"/>

--- a/presentation-handball-betting.pptx
+++ b/presentation-handball-betting.pptx
@@ -13,12 +13,17 @@
     <p:sldId id="261" r:id="rId7"/>
     <p:sldId id="262" r:id="rId8"/>
     <p:sldId id="263" r:id="rId9"/>
-    <p:sldId id="264" r:id="rId10"/>
-    <p:sldId id="271" r:id="rId11"/>
-    <p:sldId id="265" r:id="rId12"/>
-    <p:sldId id="267" r:id="rId13"/>
-    <p:sldId id="268" r:id="rId14"/>
-    <p:sldId id="269" r:id="rId15"/>
+    <p:sldId id="272" r:id="rId10"/>
+    <p:sldId id="273" r:id="rId11"/>
+    <p:sldId id="264" r:id="rId12"/>
+    <p:sldId id="271" r:id="rId13"/>
+    <p:sldId id="265" r:id="rId14"/>
+    <p:sldId id="267" r:id="rId15"/>
+    <p:sldId id="268" r:id="rId16"/>
+    <p:sldId id="274" r:id="rId17"/>
+    <p:sldId id="275" r:id="rId18"/>
+    <p:sldId id="276" r:id="rId19"/>
+    <p:sldId id="269" r:id="rId20"/>
   </p:sldIdLst>
   <p:sldSz cx="12192000" cy="6858000"/>
   <p:notesSz cx="6858000" cy="9144000"/>
@@ -256,7 +261,7 @@
           <a:p>
             <a:fld id="{60EFF2F8-2722-4D5A-8576-34119254C326}" type="datetimeFigureOut">
               <a:rPr lang="sr-Latn-RS" smtClean="0"/>
-              <a:t>10.2.2016.</a:t>
+              <a:t>18.2.2016.</a:t>
             </a:fld>
             <a:endParaRPr lang="sr-Latn-RS"/>
           </a:p>
@@ -426,7 +431,7 @@
           <a:p>
             <a:fld id="{60EFF2F8-2722-4D5A-8576-34119254C326}" type="datetimeFigureOut">
               <a:rPr lang="sr-Latn-RS" smtClean="0"/>
-              <a:t>10.2.2016.</a:t>
+              <a:t>18.2.2016.</a:t>
             </a:fld>
             <a:endParaRPr lang="sr-Latn-RS"/>
           </a:p>
@@ -606,7 +611,7 @@
           <a:p>
             <a:fld id="{60EFF2F8-2722-4D5A-8576-34119254C326}" type="datetimeFigureOut">
               <a:rPr lang="sr-Latn-RS" smtClean="0"/>
-              <a:t>10.2.2016.</a:t>
+              <a:t>18.2.2016.</a:t>
             </a:fld>
             <a:endParaRPr lang="sr-Latn-RS"/>
           </a:p>
@@ -776,7 +781,7 @@
           <a:p>
             <a:fld id="{60EFF2F8-2722-4D5A-8576-34119254C326}" type="datetimeFigureOut">
               <a:rPr lang="sr-Latn-RS" smtClean="0"/>
-              <a:t>10.2.2016.</a:t>
+              <a:t>18.2.2016.</a:t>
             </a:fld>
             <a:endParaRPr lang="sr-Latn-RS"/>
           </a:p>
@@ -1022,7 +1027,7 @@
           <a:p>
             <a:fld id="{60EFF2F8-2722-4D5A-8576-34119254C326}" type="datetimeFigureOut">
               <a:rPr lang="sr-Latn-RS" smtClean="0"/>
-              <a:t>10.2.2016.</a:t>
+              <a:t>18.2.2016.</a:t>
             </a:fld>
             <a:endParaRPr lang="sr-Latn-RS"/>
           </a:p>
@@ -1254,7 +1259,7 @@
           <a:p>
             <a:fld id="{60EFF2F8-2722-4D5A-8576-34119254C326}" type="datetimeFigureOut">
               <a:rPr lang="sr-Latn-RS" smtClean="0"/>
-              <a:t>10.2.2016.</a:t>
+              <a:t>18.2.2016.</a:t>
             </a:fld>
             <a:endParaRPr lang="sr-Latn-RS"/>
           </a:p>
@@ -1621,7 +1626,7 @@
           <a:p>
             <a:fld id="{60EFF2F8-2722-4D5A-8576-34119254C326}" type="datetimeFigureOut">
               <a:rPr lang="sr-Latn-RS" smtClean="0"/>
-              <a:t>10.2.2016.</a:t>
+              <a:t>18.2.2016.</a:t>
             </a:fld>
             <a:endParaRPr lang="sr-Latn-RS"/>
           </a:p>
@@ -1739,7 +1744,7 @@
           <a:p>
             <a:fld id="{60EFF2F8-2722-4D5A-8576-34119254C326}" type="datetimeFigureOut">
               <a:rPr lang="sr-Latn-RS" smtClean="0"/>
-              <a:t>10.2.2016.</a:t>
+              <a:t>18.2.2016.</a:t>
             </a:fld>
             <a:endParaRPr lang="sr-Latn-RS"/>
           </a:p>
@@ -1834,7 +1839,7 @@
           <a:p>
             <a:fld id="{60EFF2F8-2722-4D5A-8576-34119254C326}" type="datetimeFigureOut">
               <a:rPr lang="sr-Latn-RS" smtClean="0"/>
-              <a:t>10.2.2016.</a:t>
+              <a:t>18.2.2016.</a:t>
             </a:fld>
             <a:endParaRPr lang="sr-Latn-RS"/>
           </a:p>
@@ -2111,7 +2116,7 @@
           <a:p>
             <a:fld id="{60EFF2F8-2722-4D5A-8576-34119254C326}" type="datetimeFigureOut">
               <a:rPr lang="sr-Latn-RS" smtClean="0"/>
-              <a:t>10.2.2016.</a:t>
+              <a:t>18.2.2016.</a:t>
             </a:fld>
             <a:endParaRPr lang="sr-Latn-RS"/>
           </a:p>
@@ -2364,7 +2369,7 @@
           <a:p>
             <a:fld id="{60EFF2F8-2722-4D5A-8576-34119254C326}" type="datetimeFigureOut">
               <a:rPr lang="sr-Latn-RS" smtClean="0"/>
-              <a:t>10.2.2016.</a:t>
+              <a:t>18.2.2016.</a:t>
             </a:fld>
             <a:endParaRPr lang="sr-Latn-RS"/>
           </a:p>
@@ -2577,7 +2582,7 @@
           <a:p>
             <a:fld id="{60EFF2F8-2722-4D5A-8576-34119254C326}" type="datetimeFigureOut">
               <a:rPr lang="sr-Latn-RS" smtClean="0"/>
-              <a:t>10.2.2016.</a:t>
+              <a:t>18.2.2016.</a:t>
             </a:fld>
             <a:endParaRPr lang="sr-Latn-RS"/>
           </a:p>
@@ -3182,59 +3187,45 @@
             <a:pPr algn="ctr"/>
             <a:r>
               <a:rPr lang="sr-Latn-RS" b="1" dirty="0" smtClean="0"/>
-              <a:t>KORACI IMPLEMENTACIJE</a:t>
-            </a:r>
-            <a:endParaRPr lang="sr-Latn-RS" dirty="0"/>
-          </a:p>
-        </p:txBody>
-      </p:sp>
-      <p:sp>
-        <p:nvSpPr>
-          <p:cNvPr id="3" name="Content Placeholder 2"/>
-          <p:cNvSpPr>
-            <a:spLocks noGrp="1"/>
-          </p:cNvSpPr>
+              <a:t>NJIHOVI REZULTATI</a:t>
+            </a:r>
+            <a:endParaRPr lang="sr-Latn-RS" b="1" dirty="0"/>
+          </a:p>
+        </p:txBody>
+      </p:sp>
+      <p:pic>
+        <p:nvPicPr>
+          <p:cNvPr id="4" name="Content Placeholder 3"/>
+          <p:cNvPicPr>
+            <a:picLocks noGrp="1" noChangeAspect="1"/>
+          </p:cNvPicPr>
           <p:nvPr>
             <p:ph idx="1"/>
           </p:nvPr>
-        </p:nvSpPr>
-        <p:spPr/>
-        <p:txBody>
-          <a:bodyPr/>
-          <a:lstStyle/>
-          <a:p>
-            <a:r>
-              <a:rPr lang="sr-Latn-RS" dirty="0" smtClean="0"/>
-              <a:t>Podaci potrebi za obradu će biti čuvani u .xlsx datotekama</a:t>
-            </a:r>
-          </a:p>
-          <a:p>
-            <a:r>
-              <a:rPr lang="sr-Latn-RS" dirty="0" smtClean="0"/>
-              <a:t>Svaki fajl će imati informacije o:</a:t>
-            </a:r>
-          </a:p>
-          <a:p>
-            <a:pPr lvl="1"/>
-            <a:r>
-              <a:rPr lang="sr-Latn-RS" dirty="0" smtClean="0"/>
-              <a:t>Rezultatima jednog kola </a:t>
-            </a:r>
-          </a:p>
-          <a:p>
-            <a:pPr lvl="1"/>
-            <a:r>
-              <a:rPr lang="sr-Latn-RS" dirty="0" smtClean="0"/>
-              <a:t>Stanju tabele neposredno pre tog kola</a:t>
-            </a:r>
-            <a:endParaRPr lang="sr-Latn-RS" dirty="0"/>
-          </a:p>
-        </p:txBody>
-      </p:sp>
+        </p:nvPicPr>
+        <p:blipFill>
+          <a:blip r:embed="rId2">
+            <a:extLst>
+              <a:ext uri="{28A0092B-C50C-407E-A947-70E740481C1C}">
+                <a14:useLocalDpi xmlns:a14="http://schemas.microsoft.com/office/drawing/2010/main" val="0"/>
+              </a:ext>
+            </a:extLst>
+          </a:blip>
+          <a:stretch>
+            <a:fillRect/>
+          </a:stretch>
+        </p:blipFill>
+        <p:spPr>
+          <a:xfrm>
+            <a:off x="2671462" y="1690688"/>
+            <a:ext cx="6849075" cy="3572844"/>
+          </a:xfrm>
+        </p:spPr>
+      </p:pic>
     </p:spTree>
     <p:extLst>
       <p:ext uri="{BB962C8B-B14F-4D97-AF65-F5344CB8AC3E}">
-        <p14:creationId xmlns:p14="http://schemas.microsoft.com/office/powerpoint/2010/main" val="955623647"/>
+        <p14:creationId xmlns:p14="http://schemas.microsoft.com/office/powerpoint/2010/main" val="3393864329"/>
       </p:ext>
     </p:extLst>
   </p:cSld>
@@ -3281,100 +3272,62 @@
               <a:rPr lang="sr-Latn-RS" b="1" dirty="0" smtClean="0"/>
               <a:t>KORACI IMPLEMENTACIJE</a:t>
             </a:r>
+            <a:endParaRPr lang="sr-Latn-RS" b="1" dirty="0"/>
+          </a:p>
+        </p:txBody>
+      </p:sp>
+      <p:sp>
+        <p:nvSpPr>
+          <p:cNvPr id="3" name="Content Placeholder 2"/>
+          <p:cNvSpPr>
+            <a:spLocks noGrp="1"/>
+          </p:cNvSpPr>
+          <p:nvPr>
+            <p:ph idx="1"/>
+          </p:nvPr>
+        </p:nvSpPr>
+        <p:spPr/>
+        <p:txBody>
+          <a:bodyPr/>
+          <a:lstStyle/>
+          <a:p>
+            <a:r>
+              <a:rPr lang="sr-Latn-RS" dirty="0" smtClean="0"/>
+              <a:t>Programski jezik: Python</a:t>
+            </a:r>
+          </a:p>
+          <a:p>
+            <a:r>
+              <a:rPr lang="sr-Latn-RS" dirty="0" smtClean="0"/>
+              <a:t>Predmet predikcije: Bundesliga Nemačke u rukometu</a:t>
+            </a:r>
+          </a:p>
+          <a:p>
+            <a:r>
+              <a:rPr lang="sr-Latn-RS" dirty="0" smtClean="0"/>
+              <a:t>Broj sezona za obučavanje: </a:t>
+            </a:r>
+            <a:r>
+              <a:rPr lang="sr-Latn-RS" dirty="0" smtClean="0"/>
+              <a:t>7</a:t>
+            </a:r>
+            <a:endParaRPr lang="sr-Latn-RS" dirty="0" smtClean="0"/>
+          </a:p>
+          <a:p>
+            <a:r>
+              <a:rPr lang="sr-Latn-RS" dirty="0" smtClean="0"/>
+              <a:t>Cilj: predikcija konačnog ishoda utakmica</a:t>
+            </a:r>
+          </a:p>
+          <a:p>
             <a:endParaRPr lang="sr-Latn-RS" dirty="0"/>
-          </a:p>
-        </p:txBody>
-      </p:sp>
-      <p:sp>
-        <p:nvSpPr>
-          <p:cNvPr id="3" name="Content Placeholder 2"/>
-          <p:cNvSpPr>
-            <a:spLocks noGrp="1"/>
-          </p:cNvSpPr>
-          <p:nvPr>
-            <p:ph idx="1"/>
-          </p:nvPr>
-        </p:nvSpPr>
-        <p:spPr/>
-        <p:txBody>
-          <a:bodyPr>
-            <a:normAutofit/>
-          </a:bodyPr>
-          <a:lstStyle/>
-          <a:p>
-            <a:r>
-              <a:rPr lang="sr-Latn-RS" dirty="0"/>
-              <a:t>Predikciju tih rezultata bismo vršili obučavanjem neuronske mreže </a:t>
-            </a:r>
-            <a:endParaRPr lang="sr-Latn-RS" dirty="0" smtClean="0"/>
-          </a:p>
-          <a:p>
-            <a:r>
-              <a:rPr lang="sr-Latn-RS" dirty="0" smtClean="0"/>
-              <a:t>Kao kriterijum </a:t>
-            </a:r>
-            <a:r>
-              <a:rPr lang="sr-Latn-RS" dirty="0"/>
-              <a:t>obučavanja </a:t>
-            </a:r>
-            <a:r>
-              <a:rPr lang="sr-Latn-RS" dirty="0" smtClean="0"/>
-              <a:t>uzimali bismo:</a:t>
-            </a:r>
-          </a:p>
-          <a:p>
-            <a:pPr lvl="1"/>
-            <a:r>
-              <a:rPr lang="sr-Latn-RS" dirty="0" smtClean="0"/>
-              <a:t>Gol </a:t>
-            </a:r>
-            <a:r>
-              <a:rPr lang="sr-Latn-RS" dirty="0"/>
-              <a:t>razlike klubova u poslednjih nekoliko </a:t>
-            </a:r>
-            <a:r>
-              <a:rPr lang="sr-Latn-RS" dirty="0" smtClean="0"/>
-              <a:t>utakmica</a:t>
-            </a:r>
-          </a:p>
-          <a:p>
-            <a:pPr lvl="2"/>
-            <a:r>
-              <a:rPr lang="sr-Latn-RS" dirty="0" smtClean="0"/>
-              <a:t>Broj utakmica će biti prilagođen rezultatima obučavanja neuronske mreže</a:t>
-            </a:r>
-          </a:p>
-          <a:p>
-            <a:pPr lvl="2"/>
-            <a:r>
-              <a:rPr lang="sr-Latn-RS" dirty="0" smtClean="0"/>
-              <a:t>Timovi se na osnovu gol razlike mogu klasifikovati na defanzivne i napadačke i tako se može izvršiti kvalitetnija predikcija</a:t>
-            </a:r>
-          </a:p>
-          <a:p>
-            <a:pPr lvl="1"/>
-            <a:r>
-              <a:rPr lang="sr-Latn-RS" dirty="0" smtClean="0"/>
-              <a:t>Trenutni plasman na tabeli</a:t>
-            </a:r>
-          </a:p>
-          <a:p>
-            <a:pPr lvl="2"/>
-            <a:r>
-              <a:rPr lang="sr-Latn-RS" dirty="0" smtClean="0"/>
-              <a:t>U prvih par kola lige trenutni plasman ne bi imao uticaja na težinski koeficijent s obzirom da su na početku sezone skoro svi timovi ujednačeni po broju bodova</a:t>
-            </a:r>
-          </a:p>
-          <a:p>
-            <a:pPr lvl="2"/>
-            <a:endParaRPr lang="sr-Latn-RS" dirty="0" smtClean="0"/>
           </a:p>
         </p:txBody>
       </p:sp>
     </p:spTree>
     <p:extLst>
       <p:ext uri="{BB962C8B-B14F-4D97-AF65-F5344CB8AC3E}">
-        <p14:creationId xmlns:p14="http://schemas.microsoft.com/office/powerpoint/2010/main" val="3786560132"/>
+        <p14:creationId xmlns:p14="http://schemas.microsoft.com/office/powerpoint/2010/main" val="1571080131"/>
       </p:ext>
     </p:extLst>
   </p:cSld>
@@ -3411,12 +3364,7 @@
             <p:ph type="title"/>
           </p:nvPr>
         </p:nvSpPr>
-        <p:spPr>
-          <a:xfrm>
-            <a:off x="838200" y="326488"/>
-            <a:ext cx="10515600" cy="1325563"/>
-          </a:xfrm>
-        </p:spPr>
+        <p:spPr/>
         <p:txBody>
           <a:bodyPr/>
           <a:lstStyle/>
@@ -3447,61 +3395,48 @@
           <a:p>
             <a:r>
               <a:rPr lang="sr-Latn-RS" dirty="0" smtClean="0"/>
-              <a:t>Kao kriterijum obučavanja uzimali bismo:</a:t>
+              <a:t>Podaci potrebi za obradu će biti čuvani u .xlsx datotekama</a:t>
+            </a:r>
+          </a:p>
+          <a:p>
+            <a:r>
+              <a:rPr lang="sr-Latn-RS" dirty="0" smtClean="0"/>
+              <a:t>Svaki fajl će imati informacije o:</a:t>
             </a:r>
           </a:p>
           <a:p>
             <a:pPr lvl="1"/>
             <a:r>
               <a:rPr lang="sr-Latn-RS" dirty="0" smtClean="0"/>
-              <a:t>Generalnu jačinu klubova</a:t>
-            </a:r>
-          </a:p>
-          <a:p>
-            <a:pPr lvl="2"/>
+              <a:t>Rezultatima </a:t>
+            </a:r>
             <a:r>
               <a:rPr lang="sr-Latn-RS" dirty="0" smtClean="0"/>
-              <a:t>Izražena putem težinskih koeficijenata</a:t>
-            </a:r>
-          </a:p>
-          <a:p>
-            <a:pPr lvl="2"/>
+              <a:t>jedne sezone</a:t>
+            </a:r>
+            <a:endParaRPr lang="sr-Latn-RS" dirty="0" smtClean="0"/>
+          </a:p>
+          <a:p>
+            <a:pPr marL="457200" lvl="1" indent="0">
+              <a:buNone/>
+            </a:pPr>
+            <a:endParaRPr lang="sr-Latn-RS" dirty="0"/>
+          </a:p>
+          <a:p>
+            <a:pPr marL="457200" lvl="1" indent="0">
+              <a:buNone/>
+            </a:pPr>
             <a:r>
               <a:rPr lang="sr-Latn-RS" dirty="0" smtClean="0"/>
-              <a:t>Težinski koeficijent se dobija na osnovu plasmana kluba u prethodnim sezonama</a:t>
-            </a:r>
-          </a:p>
-          <a:p>
-            <a:pPr lvl="2"/>
-            <a:r>
-              <a:rPr lang="sr-Latn-RS" dirty="0" smtClean="0"/>
-              <a:t>Najveći težinski koeficijent nosi plasman u prethodnoj sezoni</a:t>
-            </a:r>
-          </a:p>
-          <a:p>
-            <a:pPr lvl="2"/>
-            <a:r>
-              <a:rPr lang="sr-Latn-RS" dirty="0" smtClean="0"/>
-              <a:t>Generalna jačina je potrebna kako bi se izbalansirali izrazito dobri ili loši rezultati kluba u trenutnoj sezoni u odnosu na prethodne</a:t>
-            </a:r>
-          </a:p>
-          <a:p>
-            <a:pPr lvl="2"/>
-            <a:r>
-              <a:rPr lang="sr-Latn-RS" dirty="0" smtClean="0"/>
-              <a:t>Težinski koeficijent bi određivali putem algoritma K-Means gde bismo klubove razdvajali na nekoliko težinskih grupa na osnovu plasmana.</a:t>
-            </a:r>
-          </a:p>
-          <a:p>
-            <a:pPr lvl="1"/>
-            <a:endParaRPr lang="sr-Latn-RS" dirty="0"/>
+              <a:t>U obzir će biti uzet i plasman na tabeli za svaku utakmicu u prethodne 3 sezone </a:t>
+            </a:r>
           </a:p>
         </p:txBody>
       </p:sp>
     </p:spTree>
     <p:extLst>
       <p:ext uri="{BB962C8B-B14F-4D97-AF65-F5344CB8AC3E}">
-        <p14:creationId xmlns:p14="http://schemas.microsoft.com/office/powerpoint/2010/main" val="356648983"/>
+        <p14:creationId xmlns:p14="http://schemas.microsoft.com/office/powerpoint/2010/main" val="955623647"/>
       </p:ext>
     </p:extLst>
   </p:cSld>
@@ -3570,27 +3505,297 @@
           <a:lstStyle/>
           <a:p>
             <a:r>
+              <a:rPr lang="sr-Latn-RS" dirty="0"/>
+              <a:t>Predikciju </a:t>
+            </a:r>
+            <a:r>
               <a:rPr lang="sr-Latn-RS" dirty="0" smtClean="0"/>
-              <a:t>Na osnovu prethodno opisanih koraka za svaku utakmicu određujemo meč rejting i za sve utakmice u tom obučavajućem </a:t>
-            </a:r>
-            <a:r>
-              <a:rPr lang="sr-Latn-RS" smtClean="0"/>
-              <a:t>skupu </a:t>
-            </a:r>
-            <a:r>
-              <a:rPr lang="sr-Latn-RS" smtClean="0"/>
-              <a:t>postavljamo parametre koji detaljnije opisuju utakmicu.</a:t>
+              <a:t>rezultata se vrši obučavanjem </a:t>
+            </a:r>
+            <a:r>
+              <a:rPr lang="sr-Latn-RS" dirty="0"/>
+              <a:t>neuronske mreže </a:t>
             </a:r>
             <a:endParaRPr lang="sr-Latn-RS" dirty="0" smtClean="0"/>
           </a:p>
           <a:p>
             <a:r>
               <a:rPr lang="sr-Latn-RS" dirty="0" smtClean="0"/>
-              <a:t>Koristili </a:t>
+              <a:t>Kao kriterijum </a:t>
+            </a:r>
+            <a:r>
+              <a:rPr lang="sr-Latn-RS" dirty="0"/>
+              <a:t>obučavanja </a:t>
             </a:r>
             <a:r>
               <a:rPr lang="sr-Latn-RS" dirty="0" smtClean="0"/>
-              <a:t>bismo </a:t>
+              <a:t>uzimali bismo:</a:t>
+            </a:r>
+          </a:p>
+          <a:p>
+            <a:pPr lvl="1"/>
+            <a:r>
+              <a:rPr lang="sr-Latn-RS" dirty="0" smtClean="0"/>
+              <a:t>Gol </a:t>
+            </a:r>
+            <a:r>
+              <a:rPr lang="sr-Latn-RS" dirty="0"/>
+              <a:t>razlike klubova u poslednjih nekoliko </a:t>
+            </a:r>
+            <a:r>
+              <a:rPr lang="sr-Latn-RS" dirty="0" smtClean="0"/>
+              <a:t>utakmica</a:t>
+            </a:r>
+          </a:p>
+          <a:p>
+            <a:pPr lvl="2"/>
+            <a:r>
+              <a:rPr lang="sr-Latn-RS" dirty="0" smtClean="0"/>
+              <a:t>Broj utakmica će biti prilagođen rezultatima obučavanja neuronske mreže</a:t>
+            </a:r>
+          </a:p>
+          <a:p>
+            <a:pPr lvl="2"/>
+            <a:r>
+              <a:rPr lang="sr-Latn-RS" dirty="0" smtClean="0"/>
+              <a:t>Timovi se na osnovu gol razlike mogu klasifikovati na </a:t>
+            </a:r>
+            <a:r>
+              <a:rPr lang="sr-Latn-RS" dirty="0" smtClean="0"/>
+              <a:t>nekoliko grupa i </a:t>
+            </a:r>
+            <a:r>
+              <a:rPr lang="sr-Latn-RS" dirty="0" smtClean="0"/>
+              <a:t>tako se može izvršiti kvalitetnija predikcija</a:t>
+            </a:r>
+          </a:p>
+          <a:p>
+            <a:pPr lvl="1"/>
+            <a:r>
+              <a:rPr lang="sr-Latn-RS" dirty="0" smtClean="0"/>
+              <a:t>Trenutni plasman na tabeli</a:t>
+            </a:r>
+          </a:p>
+          <a:p>
+            <a:pPr lvl="2"/>
+            <a:r>
+              <a:rPr lang="sr-Latn-RS" dirty="0" smtClean="0"/>
+              <a:t>U prvih par kola lige trenutni plasman ne bi imao uticaja na težinski koeficijent s obzirom da su na početku sezone skoro svi timovi ujednačeni po broju bodova</a:t>
+            </a:r>
+          </a:p>
+          <a:p>
+            <a:pPr lvl="2"/>
+            <a:endParaRPr lang="sr-Latn-RS" dirty="0" smtClean="0"/>
+          </a:p>
+        </p:txBody>
+      </p:sp>
+    </p:spTree>
+    <p:extLst>
+      <p:ext uri="{BB962C8B-B14F-4D97-AF65-F5344CB8AC3E}">
+        <p14:creationId xmlns:p14="http://schemas.microsoft.com/office/powerpoint/2010/main" val="3786560132"/>
+      </p:ext>
+    </p:extLst>
+  </p:cSld>
+  <p:clrMapOvr>
+    <a:masterClrMapping/>
+  </p:clrMapOvr>
+</p:sld>
+</file>
+
+<file path=ppt/slides/slide14.xml><?xml version="1.0" encoding="utf-8"?>
+<p:sld xmlns:a="http://schemas.openxmlformats.org/drawingml/2006/main" xmlns:r="http://schemas.openxmlformats.org/officeDocument/2006/relationships" xmlns:p="http://schemas.openxmlformats.org/presentationml/2006/main">
+  <p:cSld>
+    <p:spTree>
+      <p:nvGrpSpPr>
+        <p:cNvPr id="1" name=""/>
+        <p:cNvGrpSpPr/>
+        <p:nvPr/>
+      </p:nvGrpSpPr>
+      <p:grpSpPr>
+        <a:xfrm>
+          <a:off x="0" y="0"/>
+          <a:ext cx="0" cy="0"/>
+          <a:chOff x="0" y="0"/>
+          <a:chExt cx="0" cy="0"/>
+        </a:xfrm>
+      </p:grpSpPr>
+      <p:sp>
+        <p:nvSpPr>
+          <p:cNvPr id="2" name="Title 1"/>
+          <p:cNvSpPr>
+            <a:spLocks noGrp="1"/>
+          </p:cNvSpPr>
+          <p:nvPr>
+            <p:ph type="title"/>
+          </p:nvPr>
+        </p:nvSpPr>
+        <p:spPr>
+          <a:xfrm>
+            <a:off x="838200" y="326488"/>
+            <a:ext cx="10515600" cy="1325563"/>
+          </a:xfrm>
+        </p:spPr>
+        <p:txBody>
+          <a:bodyPr/>
+          <a:lstStyle/>
+          <a:p>
+            <a:pPr algn="ctr"/>
+            <a:r>
+              <a:rPr lang="sr-Latn-RS" b="1" dirty="0" smtClean="0"/>
+              <a:t>KORACI IMPLEMENTACIJE</a:t>
+            </a:r>
+            <a:endParaRPr lang="sr-Latn-RS" dirty="0"/>
+          </a:p>
+        </p:txBody>
+      </p:sp>
+      <p:sp>
+        <p:nvSpPr>
+          <p:cNvPr id="3" name="Content Placeholder 2"/>
+          <p:cNvSpPr>
+            <a:spLocks noGrp="1"/>
+          </p:cNvSpPr>
+          <p:nvPr>
+            <p:ph idx="1"/>
+          </p:nvPr>
+        </p:nvSpPr>
+        <p:spPr/>
+        <p:txBody>
+          <a:bodyPr/>
+          <a:lstStyle/>
+          <a:p>
+            <a:r>
+              <a:rPr lang="sr-Latn-RS" dirty="0" smtClean="0"/>
+              <a:t>Kao kriterijum obučavanja uzimali bismo:</a:t>
+            </a:r>
+          </a:p>
+          <a:p>
+            <a:pPr lvl="1"/>
+            <a:r>
+              <a:rPr lang="sr-Latn-RS" dirty="0" smtClean="0"/>
+              <a:t>Generalnu jačinu klubova</a:t>
+            </a:r>
+          </a:p>
+          <a:p>
+            <a:pPr lvl="2"/>
+            <a:r>
+              <a:rPr lang="sr-Latn-RS" dirty="0" smtClean="0"/>
+              <a:t>Izražena putem težinskih koeficijenata</a:t>
+            </a:r>
+          </a:p>
+          <a:p>
+            <a:pPr lvl="2"/>
+            <a:r>
+              <a:rPr lang="sr-Latn-RS" dirty="0" smtClean="0"/>
+              <a:t>Težinski koeficijent se dobija na osnovu plasmana kluba u prethodnim sezonama</a:t>
+            </a:r>
+          </a:p>
+          <a:p>
+            <a:pPr lvl="2"/>
+            <a:r>
+              <a:rPr lang="sr-Latn-RS" dirty="0" smtClean="0"/>
+              <a:t>Najveći težinski koeficijent nosi plasman u prethodnoj sezoni</a:t>
+            </a:r>
+          </a:p>
+          <a:p>
+            <a:pPr lvl="2"/>
+            <a:r>
+              <a:rPr lang="sr-Latn-RS" dirty="0" smtClean="0"/>
+              <a:t>Generalna jačina je potrebna kako bi se izbalansirali izrazito dobri ili loši rezultati kluba u trenutnoj sezoni u odnosu na prethodne</a:t>
+            </a:r>
+          </a:p>
+          <a:p>
+            <a:pPr lvl="2"/>
+            <a:r>
+              <a:rPr lang="sr-Latn-RS" dirty="0" smtClean="0"/>
+              <a:t>Težinski koeficijent bi određivali putem algoritma K-Means gde bismo klubove razdvajali na nekoliko težinskih grupa na osnovu plasmana.</a:t>
+            </a:r>
+          </a:p>
+          <a:p>
+            <a:pPr lvl="1"/>
+            <a:endParaRPr lang="sr-Latn-RS" dirty="0"/>
+          </a:p>
+        </p:txBody>
+      </p:sp>
+    </p:spTree>
+    <p:extLst>
+      <p:ext uri="{BB962C8B-B14F-4D97-AF65-F5344CB8AC3E}">
+        <p14:creationId xmlns:p14="http://schemas.microsoft.com/office/powerpoint/2010/main" val="356648983"/>
+      </p:ext>
+    </p:extLst>
+  </p:cSld>
+  <p:clrMapOvr>
+    <a:masterClrMapping/>
+  </p:clrMapOvr>
+</p:sld>
+</file>
+
+<file path=ppt/slides/slide15.xml><?xml version="1.0" encoding="utf-8"?>
+<p:sld xmlns:a="http://schemas.openxmlformats.org/drawingml/2006/main" xmlns:r="http://schemas.openxmlformats.org/officeDocument/2006/relationships" xmlns:p="http://schemas.openxmlformats.org/presentationml/2006/main">
+  <p:cSld>
+    <p:spTree>
+      <p:nvGrpSpPr>
+        <p:cNvPr id="1" name=""/>
+        <p:cNvGrpSpPr/>
+        <p:nvPr/>
+      </p:nvGrpSpPr>
+      <p:grpSpPr>
+        <a:xfrm>
+          <a:off x="0" y="0"/>
+          <a:ext cx="0" cy="0"/>
+          <a:chOff x="0" y="0"/>
+          <a:chExt cx="0" cy="0"/>
+        </a:xfrm>
+      </p:grpSpPr>
+      <p:sp>
+        <p:nvSpPr>
+          <p:cNvPr id="2" name="Title 1"/>
+          <p:cNvSpPr>
+            <a:spLocks noGrp="1"/>
+          </p:cNvSpPr>
+          <p:nvPr>
+            <p:ph type="title"/>
+          </p:nvPr>
+        </p:nvSpPr>
+        <p:spPr/>
+        <p:txBody>
+          <a:bodyPr/>
+          <a:lstStyle/>
+          <a:p>
+            <a:pPr algn="ctr"/>
+            <a:r>
+              <a:rPr lang="sr-Latn-RS" b="1" dirty="0" smtClean="0"/>
+              <a:t>KORACI IMPLEMENTACIJE</a:t>
+            </a:r>
+            <a:endParaRPr lang="sr-Latn-RS" dirty="0"/>
+          </a:p>
+        </p:txBody>
+      </p:sp>
+      <p:sp>
+        <p:nvSpPr>
+          <p:cNvPr id="3" name="Content Placeholder 2"/>
+          <p:cNvSpPr>
+            <a:spLocks noGrp="1"/>
+          </p:cNvSpPr>
+          <p:nvPr>
+            <p:ph idx="1"/>
+          </p:nvPr>
+        </p:nvSpPr>
+        <p:spPr/>
+        <p:txBody>
+          <a:bodyPr>
+            <a:normAutofit/>
+          </a:bodyPr>
+          <a:lstStyle/>
+          <a:p>
+            <a:r>
+              <a:rPr lang="sr-Latn-RS" dirty="0" smtClean="0"/>
+              <a:t>Na osnovu prethodno opisanih koraka za svaku utakmicu određujemo meč rejting i za sve utakmice u tom obučavajućem skupu postavljamo parametre koji detaljnije opisuju utakmicu.</a:t>
+            </a:r>
+          </a:p>
+          <a:p>
+            <a:r>
+              <a:rPr lang="sr-Latn-RS" dirty="0" smtClean="0"/>
+              <a:t>Koristili bismo </a:t>
             </a:r>
             <a:r>
               <a:rPr lang="en-US" dirty="0" err="1" smtClean="0"/>
@@ -3606,27 +3811,23 @@
             </a:r>
             <a:r>
               <a:rPr lang="sr-Latn-RS" dirty="0" smtClean="0"/>
-              <a:t>žu koja bi određivala ishod utakmice(pobeda domaćina,gosta ili nerešeno) za prosleđeni meč rejting</a:t>
-            </a:r>
-          </a:p>
-          <a:p>
+              <a:t>žu koja bi određivala ishod utakmice(pobeda domaćina,gosta ili nerešeno) za </a:t>
+            </a:r>
             <a:r>
               <a:rPr lang="sr-Latn-RS" dirty="0" smtClean="0"/>
-              <a:t>Obuka neuronske mreže bi se vršila prosleđivanjem niza </a:t>
-            </a:r>
+              <a:t>prosleđene podatke o odigranoj utakmici(meč rejting, jačina domaćina,gosta,gol razlika...)</a:t>
+            </a:r>
+            <a:endParaRPr lang="sr-Latn-RS" dirty="0" smtClean="0"/>
+          </a:p>
+          <a:p>
             <a:r>
               <a:rPr lang="sr-Latn-RS" dirty="0" smtClean="0"/>
-              <a:t>utakmica(sa raznim podacima o njima) </a:t>
+              <a:t>=&gt; Obuka </a:t>
             </a:r>
             <a:r>
               <a:rPr lang="sr-Latn-RS" dirty="0" smtClean="0"/>
-              <a:t>kao ulaza, dok bi izlaz za obučavanje neuronske mreže bio </a:t>
-            </a:r>
-            <a:r>
-              <a:rPr lang="sr-Latn-RS" dirty="0" smtClean="0"/>
-              <a:t>niz konačnih ishoda svake utakmice</a:t>
-            </a:r>
-            <a:endParaRPr lang="sr-Latn-RS" dirty="0" smtClean="0"/>
+              <a:t>neuronske mreže bi se vršila prosleđivanjem niza utakmica(sa raznim podacima o njima) kao ulaza, dok bi izlaz za obučavanje neuronske mreže bio niz konačnih ishoda svake utakmice</a:t>
+            </a:r>
           </a:p>
         </p:txBody>
       </p:sp>
@@ -3643,7 +3844,256 @@
 </p:sld>
 </file>
 
-<file path=ppt/slides/slide14.xml><?xml version="1.0" encoding="utf-8"?>
+<file path=ppt/slides/slide16.xml><?xml version="1.0" encoding="utf-8"?>
+<p:sld xmlns:a="http://schemas.openxmlformats.org/drawingml/2006/main" xmlns:r="http://schemas.openxmlformats.org/officeDocument/2006/relationships" xmlns:p="http://schemas.openxmlformats.org/presentationml/2006/main">
+  <p:cSld>
+    <p:spTree>
+      <p:nvGrpSpPr>
+        <p:cNvPr id="1" name=""/>
+        <p:cNvGrpSpPr/>
+        <p:nvPr/>
+      </p:nvGrpSpPr>
+      <p:grpSpPr>
+        <a:xfrm>
+          <a:off x="0" y="0"/>
+          <a:ext cx="0" cy="0"/>
+          <a:chOff x="0" y="0"/>
+          <a:chExt cx="0" cy="0"/>
+        </a:xfrm>
+      </p:grpSpPr>
+      <p:sp>
+        <p:nvSpPr>
+          <p:cNvPr id="2" name="Title 1"/>
+          <p:cNvSpPr>
+            <a:spLocks noGrp="1"/>
+          </p:cNvSpPr>
+          <p:nvPr>
+            <p:ph type="title"/>
+          </p:nvPr>
+        </p:nvSpPr>
+        <p:spPr/>
+        <p:txBody>
+          <a:bodyPr/>
+          <a:lstStyle/>
+          <a:p>
+            <a:pPr algn="ctr"/>
+            <a:r>
+              <a:rPr lang="sr-Latn-RS" b="1" dirty="0" smtClean="0"/>
+              <a:t>PREDIKCIJA I PROFIT </a:t>
+            </a:r>
+            <a:endParaRPr lang="sr-Latn-RS" b="1" dirty="0"/>
+          </a:p>
+        </p:txBody>
+      </p:sp>
+      <p:pic>
+        <p:nvPicPr>
+          <p:cNvPr id="7" name="Content Placeholder 6"/>
+          <p:cNvPicPr>
+            <a:picLocks noGrp="1" noChangeAspect="1"/>
+          </p:cNvPicPr>
+          <p:nvPr>
+            <p:ph idx="1"/>
+          </p:nvPr>
+        </p:nvPicPr>
+        <p:blipFill>
+          <a:blip r:embed="rId2">
+            <a:extLst>
+              <a:ext uri="{28A0092B-C50C-407E-A947-70E740481C1C}">
+                <a14:useLocalDpi xmlns:a14="http://schemas.microsoft.com/office/drawing/2010/main" val="0"/>
+              </a:ext>
+            </a:extLst>
+          </a:blip>
+          <a:stretch>
+            <a:fillRect/>
+          </a:stretch>
+        </p:blipFill>
+        <p:spPr>
+          <a:xfrm>
+            <a:off x="2226255" y="1825625"/>
+            <a:ext cx="7739489" cy="4351338"/>
+          </a:xfrm>
+        </p:spPr>
+      </p:pic>
+    </p:spTree>
+    <p:extLst>
+      <p:ext uri="{BB962C8B-B14F-4D97-AF65-F5344CB8AC3E}">
+        <p14:creationId xmlns:p14="http://schemas.microsoft.com/office/powerpoint/2010/main" val="2668848625"/>
+      </p:ext>
+    </p:extLst>
+  </p:cSld>
+  <p:clrMapOvr>
+    <a:masterClrMapping/>
+  </p:clrMapOvr>
+</p:sld>
+</file>
+
+<file path=ppt/slides/slide17.xml><?xml version="1.0" encoding="utf-8"?>
+<p:sld xmlns:a="http://schemas.openxmlformats.org/drawingml/2006/main" xmlns:r="http://schemas.openxmlformats.org/officeDocument/2006/relationships" xmlns:p="http://schemas.openxmlformats.org/presentationml/2006/main">
+  <p:cSld>
+    <p:spTree>
+      <p:nvGrpSpPr>
+        <p:cNvPr id="1" name=""/>
+        <p:cNvGrpSpPr/>
+        <p:nvPr/>
+      </p:nvGrpSpPr>
+      <p:grpSpPr>
+        <a:xfrm>
+          <a:off x="0" y="0"/>
+          <a:ext cx="0" cy="0"/>
+          <a:chOff x="0" y="0"/>
+          <a:chExt cx="0" cy="0"/>
+        </a:xfrm>
+      </p:grpSpPr>
+      <p:sp>
+        <p:nvSpPr>
+          <p:cNvPr id="2" name="Title 1"/>
+          <p:cNvSpPr>
+            <a:spLocks noGrp="1"/>
+          </p:cNvSpPr>
+          <p:nvPr>
+            <p:ph type="title"/>
+          </p:nvPr>
+        </p:nvSpPr>
+        <p:spPr/>
+        <p:txBody>
+          <a:bodyPr/>
+          <a:lstStyle/>
+          <a:p>
+            <a:pPr algn="ctr"/>
+            <a:r>
+              <a:rPr lang="sr-Latn-RS" b="1" dirty="0"/>
+              <a:t>PREDIKCIJA I PROFIT </a:t>
+            </a:r>
+            <a:endParaRPr lang="sr-Latn-RS" dirty="0"/>
+          </a:p>
+        </p:txBody>
+      </p:sp>
+      <p:pic>
+        <p:nvPicPr>
+          <p:cNvPr id="4" name="Content Placeholder 3"/>
+          <p:cNvPicPr>
+            <a:picLocks noGrp="1" noChangeAspect="1"/>
+          </p:cNvPicPr>
+          <p:nvPr>
+            <p:ph idx="1"/>
+          </p:nvPr>
+        </p:nvPicPr>
+        <p:blipFill>
+          <a:blip r:embed="rId2">
+            <a:extLst>
+              <a:ext uri="{28A0092B-C50C-407E-A947-70E740481C1C}">
+                <a14:useLocalDpi xmlns:a14="http://schemas.microsoft.com/office/drawing/2010/main" val="0"/>
+              </a:ext>
+            </a:extLst>
+          </a:blip>
+          <a:stretch>
+            <a:fillRect/>
+          </a:stretch>
+        </p:blipFill>
+        <p:spPr>
+          <a:xfrm>
+            <a:off x="1986251" y="1690688"/>
+            <a:ext cx="7979494" cy="4486275"/>
+          </a:xfrm>
+        </p:spPr>
+      </p:pic>
+    </p:spTree>
+    <p:extLst>
+      <p:ext uri="{BB962C8B-B14F-4D97-AF65-F5344CB8AC3E}">
+        <p14:creationId xmlns:p14="http://schemas.microsoft.com/office/powerpoint/2010/main" val="861529903"/>
+      </p:ext>
+    </p:extLst>
+  </p:cSld>
+  <p:clrMapOvr>
+    <a:masterClrMapping/>
+  </p:clrMapOvr>
+</p:sld>
+</file>
+
+<file path=ppt/slides/slide18.xml><?xml version="1.0" encoding="utf-8"?>
+<p:sld xmlns:a="http://schemas.openxmlformats.org/drawingml/2006/main" xmlns:r="http://schemas.openxmlformats.org/officeDocument/2006/relationships" xmlns:p="http://schemas.openxmlformats.org/presentationml/2006/main">
+  <p:cSld>
+    <p:spTree>
+      <p:nvGrpSpPr>
+        <p:cNvPr id="1" name=""/>
+        <p:cNvGrpSpPr/>
+        <p:nvPr/>
+      </p:nvGrpSpPr>
+      <p:grpSpPr>
+        <a:xfrm>
+          <a:off x="0" y="0"/>
+          <a:ext cx="0" cy="0"/>
+          <a:chOff x="0" y="0"/>
+          <a:chExt cx="0" cy="0"/>
+        </a:xfrm>
+      </p:grpSpPr>
+      <p:sp>
+        <p:nvSpPr>
+          <p:cNvPr id="2" name="Title 1"/>
+          <p:cNvSpPr>
+            <a:spLocks noGrp="1"/>
+          </p:cNvSpPr>
+          <p:nvPr>
+            <p:ph type="title"/>
+          </p:nvPr>
+        </p:nvSpPr>
+        <p:spPr/>
+        <p:txBody>
+          <a:bodyPr/>
+          <a:lstStyle/>
+          <a:p>
+            <a:pPr algn="ctr"/>
+            <a:r>
+              <a:rPr lang="sr-Latn-RS" b="1" dirty="0"/>
+              <a:t>PREDIKCIJA I PROFIT </a:t>
+            </a:r>
+            <a:endParaRPr lang="sr-Latn-RS" dirty="0"/>
+          </a:p>
+        </p:txBody>
+      </p:sp>
+      <p:pic>
+        <p:nvPicPr>
+          <p:cNvPr id="4" name="Content Placeholder 3"/>
+          <p:cNvPicPr>
+            <a:picLocks noGrp="1" noChangeAspect="1"/>
+          </p:cNvPicPr>
+          <p:nvPr>
+            <p:ph idx="1"/>
+          </p:nvPr>
+        </p:nvPicPr>
+        <p:blipFill>
+          <a:blip r:embed="rId2">
+            <a:extLst>
+              <a:ext uri="{28A0092B-C50C-407E-A947-70E740481C1C}">
+                <a14:useLocalDpi xmlns:a14="http://schemas.microsoft.com/office/drawing/2010/main" val="0"/>
+              </a:ext>
+            </a:extLst>
+          </a:blip>
+          <a:stretch>
+            <a:fillRect/>
+          </a:stretch>
+        </p:blipFill>
+        <p:spPr>
+          <a:xfrm>
+            <a:off x="2226255" y="1825625"/>
+            <a:ext cx="7739489" cy="4351338"/>
+          </a:xfrm>
+        </p:spPr>
+      </p:pic>
+    </p:spTree>
+    <p:extLst>
+      <p:ext uri="{BB962C8B-B14F-4D97-AF65-F5344CB8AC3E}">
+        <p14:creationId xmlns:p14="http://schemas.microsoft.com/office/powerpoint/2010/main" val="1276241370"/>
+      </p:ext>
+    </p:extLst>
+  </p:cSld>
+  <p:clrMapOvr>
+    <a:masterClrMapping/>
+  </p:clrMapOvr>
+</p:sld>
+</file>
+
+<file path=ppt/slides/slide19.xml><?xml version="1.0" encoding="utf-8"?>
 <p:sld xmlns:a="http://schemas.openxmlformats.org/drawingml/2006/main" xmlns:r="http://schemas.openxmlformats.org/officeDocument/2006/relationships" xmlns:p="http://schemas.openxmlformats.org/presentationml/2006/main">
   <p:cSld>
     <p:spTree>
@@ -3769,7 +4219,15 @@
           <a:p>
             <a:r>
               <a:rPr lang="sr-Latn-RS" dirty="0" smtClean="0"/>
-              <a:t>Predikcija sportskih rezultata se obično vezuje sa sportskim klađenjem u cilju pokušaja ostvarivanja novčanog profita</a:t>
+              <a:t>Predikcija sportskih rezultata se </a:t>
+            </a:r>
+            <a:r>
+              <a:rPr lang="sr-Latn-RS" dirty="0" smtClean="0"/>
+              <a:t>obično povezuje </a:t>
+            </a:r>
+            <a:r>
+              <a:rPr lang="sr-Latn-RS" dirty="0" smtClean="0"/>
+              <a:t>sa sportskim klađenjem u cilju pokušaja ostvarivanja novčanog profita</a:t>
             </a:r>
           </a:p>
           <a:p>
@@ -4885,7 +5343,7 @@
             <a:pPr algn="ctr"/>
             <a:r>
               <a:rPr lang="sr-Latn-RS" b="1" dirty="0" smtClean="0"/>
-              <a:t>KORACI IMPLEMENTACIJE</a:t>
+              <a:t>SLIČNA REŠENJA</a:t>
             </a:r>
             <a:endParaRPr lang="sr-Latn-RS" b="1" dirty="0"/>
           </a:p>
@@ -4901,48 +5359,81 @@
             <p:ph idx="1"/>
           </p:nvPr>
         </p:nvSpPr>
-        <p:spPr/>
-        <p:txBody>
-          <a:bodyPr/>
-          <a:lstStyle/>
-          <a:p>
+        <p:spPr>
+          <a:xfrm>
+            <a:off x="838200" y="1918952"/>
+            <a:ext cx="10515600" cy="4258011"/>
+          </a:xfrm>
+        </p:spPr>
+        <p:txBody>
+          <a:bodyPr/>
+          <a:lstStyle/>
+          <a:p>
+            <a:r>
+              <a:rPr lang="sr-Latn-RS" dirty="0"/>
+              <a:t>Intelligent Betting </a:t>
+            </a:r>
+            <a:r>
+              <a:rPr lang="sr-Latn-RS" dirty="0"/>
+              <a:t>Tips(</a:t>
+            </a:r>
+            <a:r>
+              <a:rPr lang="sr-Latn-RS" dirty="0">
+                <a:hlinkClick r:id="rId2"/>
+              </a:rPr>
+              <a:t>http://intelligentbettingtips.com</a:t>
+            </a:r>
+            <a:r>
+              <a:rPr lang="sr-Latn-RS" dirty="0" smtClean="0">
+                <a:hlinkClick r:id="rId2"/>
+              </a:rPr>
+              <a:t>/</a:t>
+            </a:r>
             <a:r>
               <a:rPr lang="sr-Latn-RS" dirty="0" smtClean="0"/>
-              <a:t>Programski jezik: Python</a:t>
-            </a:r>
-          </a:p>
-          <a:p>
+              <a:t>)  </a:t>
+            </a:r>
+            <a:r>
+              <a:rPr lang="sr-Latn-RS" dirty="0"/>
+              <a:t>je </a:t>
+            </a:r>
             <a:r>
               <a:rPr lang="sr-Latn-RS" dirty="0" smtClean="0"/>
-              <a:t>Predmet predikcije: Bundesliga Nemačke u rukometu</a:t>
-            </a:r>
-          </a:p>
-          <a:p>
+              <a:t>projekat za predikciju sportskih rezultata nastao na MIT i </a:t>
+            </a:r>
+            <a:r>
+              <a:rPr lang="sr-Latn-RS" dirty="0"/>
+              <a:t>Harvard </a:t>
+            </a:r>
             <a:r>
               <a:rPr lang="sr-Latn-RS" dirty="0" smtClean="0"/>
-              <a:t>Broj sezona za obučavanje: 3-5</a:t>
+              <a:t>univerzitetima.</a:t>
             </a:r>
           </a:p>
           <a:p>
             <a:r>
               <a:rPr lang="sr-Latn-RS" dirty="0" smtClean="0"/>
-              <a:t>Cilj: </a:t>
-            </a:r>
+              <a:t>Rezultate ovog projekta koristi preko 8000 članova</a:t>
+            </a:r>
+          </a:p>
+          <a:p>
             <a:r>
               <a:rPr lang="sr-Latn-RS" dirty="0" smtClean="0"/>
-              <a:t>predikcija konačnog ishoda utakmica</a:t>
-            </a:r>
-            <a:endParaRPr lang="sr-Latn-RS" dirty="0" smtClean="0"/>
-          </a:p>
-          <a:p>
-            <a:endParaRPr lang="sr-Latn-RS" dirty="0"/>
+              <a:t> Predikcija je zasnovana na velikoj količini podataka, statističkoj analizi, upoređivanju rezultata, performansama igrača, kompleksnim matematičkim algoritmima i raznim vrstama hendikepa</a:t>
+            </a:r>
+          </a:p>
+          <a:p>
+            <a:r>
+              <a:rPr lang="sr-Latn-RS" dirty="0" smtClean="0"/>
+              <a:t>Članovi ovoga projekta su bili studenti i profesori fakulteta, sportski analitičari i stučnjaci iz oblasti predikcije</a:t>
+            </a:r>
           </a:p>
         </p:txBody>
       </p:sp>
     </p:spTree>
     <p:extLst>
       <p:ext uri="{BB962C8B-B14F-4D97-AF65-F5344CB8AC3E}">
-        <p14:creationId xmlns:p14="http://schemas.microsoft.com/office/powerpoint/2010/main" val="1571080131"/>
+        <p14:creationId xmlns:p14="http://schemas.microsoft.com/office/powerpoint/2010/main" val="2069476579"/>
       </p:ext>
     </p:extLst>
   </p:cSld>
